--- a/PPT/DIstilBERT Final.pptx
+++ b/PPT/DIstilBERT Final.pptx
@@ -222,7 +222,7 @@
           <a:p>
             <a:fld id="{577B050C-CC77-4BDC-9A1F-A131CB4CB9EF}" type="datetimeFigureOut">
               <a:rPr lang="ko-KR" altLang="en-US" smtClean="0"/>
-              <a:t>2023-12-08</a:t>
+              <a:t>2023-12-14</a:t>
             </a:fld>
             <a:endParaRPr lang="ko-KR" altLang="en-US"/>
           </a:p>
@@ -804,7 +804,7 @@
           <a:p>
             <a:fld id="{7BF1CBFE-3090-44E5-9785-29D3BBE2235B}" type="datetimeFigureOut">
               <a:rPr lang="ko-KR" altLang="en-US" smtClean="0"/>
-              <a:t>2023-12-08</a:t>
+              <a:t>2023-12-14</a:t>
             </a:fld>
             <a:endParaRPr lang="ko-KR" altLang="en-US"/>
           </a:p>
@@ -1002,7 +1002,7 @@
           <a:p>
             <a:fld id="{7BF1CBFE-3090-44E5-9785-29D3BBE2235B}" type="datetimeFigureOut">
               <a:rPr lang="ko-KR" altLang="en-US" smtClean="0"/>
-              <a:t>2023-12-08</a:t>
+              <a:t>2023-12-14</a:t>
             </a:fld>
             <a:endParaRPr lang="ko-KR" altLang="en-US"/>
           </a:p>
@@ -1210,7 +1210,7 @@
           <a:p>
             <a:fld id="{7BF1CBFE-3090-44E5-9785-29D3BBE2235B}" type="datetimeFigureOut">
               <a:rPr lang="ko-KR" altLang="en-US" smtClean="0"/>
-              <a:t>2023-12-08</a:t>
+              <a:t>2023-12-14</a:t>
             </a:fld>
             <a:endParaRPr lang="ko-KR" altLang="en-US"/>
           </a:p>
@@ -1408,7 +1408,7 @@
           <a:p>
             <a:fld id="{7BF1CBFE-3090-44E5-9785-29D3BBE2235B}" type="datetimeFigureOut">
               <a:rPr lang="ko-KR" altLang="en-US" smtClean="0"/>
-              <a:t>2023-12-08</a:t>
+              <a:t>2023-12-14</a:t>
             </a:fld>
             <a:endParaRPr lang="ko-KR" altLang="en-US"/>
           </a:p>
@@ -1683,7 +1683,7 @@
           <a:p>
             <a:fld id="{7BF1CBFE-3090-44E5-9785-29D3BBE2235B}" type="datetimeFigureOut">
               <a:rPr lang="ko-KR" altLang="en-US" smtClean="0"/>
-              <a:t>2023-12-08</a:t>
+              <a:t>2023-12-14</a:t>
             </a:fld>
             <a:endParaRPr lang="ko-KR" altLang="en-US"/>
           </a:p>
@@ -1948,7 +1948,7 @@
           <a:p>
             <a:fld id="{7BF1CBFE-3090-44E5-9785-29D3BBE2235B}" type="datetimeFigureOut">
               <a:rPr lang="ko-KR" altLang="en-US" smtClean="0"/>
-              <a:t>2023-12-08</a:t>
+              <a:t>2023-12-14</a:t>
             </a:fld>
             <a:endParaRPr lang="ko-KR" altLang="en-US"/>
           </a:p>
@@ -2360,7 +2360,7 @@
           <a:p>
             <a:fld id="{7BF1CBFE-3090-44E5-9785-29D3BBE2235B}" type="datetimeFigureOut">
               <a:rPr lang="ko-KR" altLang="en-US" smtClean="0"/>
-              <a:t>2023-12-08</a:t>
+              <a:t>2023-12-14</a:t>
             </a:fld>
             <a:endParaRPr lang="ko-KR" altLang="en-US"/>
           </a:p>
@@ -2501,7 +2501,7 @@
           <a:p>
             <a:fld id="{7BF1CBFE-3090-44E5-9785-29D3BBE2235B}" type="datetimeFigureOut">
               <a:rPr lang="ko-KR" altLang="en-US" smtClean="0"/>
-              <a:t>2023-12-08</a:t>
+              <a:t>2023-12-14</a:t>
             </a:fld>
             <a:endParaRPr lang="ko-KR" altLang="en-US"/>
           </a:p>
@@ -2614,7 +2614,7 @@
           <a:p>
             <a:fld id="{7BF1CBFE-3090-44E5-9785-29D3BBE2235B}" type="datetimeFigureOut">
               <a:rPr lang="ko-KR" altLang="en-US" smtClean="0"/>
-              <a:t>2023-12-08</a:t>
+              <a:t>2023-12-14</a:t>
             </a:fld>
             <a:endParaRPr lang="ko-KR" altLang="en-US"/>
           </a:p>
@@ -2925,7 +2925,7 @@
           <a:p>
             <a:fld id="{7BF1CBFE-3090-44E5-9785-29D3BBE2235B}" type="datetimeFigureOut">
               <a:rPr lang="ko-KR" altLang="en-US" smtClean="0"/>
-              <a:t>2023-12-08</a:t>
+              <a:t>2023-12-14</a:t>
             </a:fld>
             <a:endParaRPr lang="ko-KR" altLang="en-US"/>
           </a:p>
@@ -3213,7 +3213,7 @@
           <a:p>
             <a:fld id="{7BF1CBFE-3090-44E5-9785-29D3BBE2235B}" type="datetimeFigureOut">
               <a:rPr lang="ko-KR" altLang="en-US" smtClean="0"/>
-              <a:t>2023-12-08</a:t>
+              <a:t>2023-12-14</a:t>
             </a:fld>
             <a:endParaRPr lang="ko-KR" altLang="en-US"/>
           </a:p>
@@ -3454,7 +3454,7 @@
           <a:p>
             <a:fld id="{7BF1CBFE-3090-44E5-9785-29D3BBE2235B}" type="datetimeFigureOut">
               <a:rPr lang="ko-KR" altLang="en-US" smtClean="0"/>
-              <a:t>2023-12-08</a:t>
+              <a:t>2023-12-14</a:t>
             </a:fld>
             <a:endParaRPr lang="ko-KR" altLang="en-US"/>
           </a:p>
@@ -15171,8 +15171,8 @@
           </a:graphicData>
         </a:graphic>
       </p:graphicFrame>
-      <mc:AlternateContent xmlns:mc="http://schemas.openxmlformats.org/markup-compatibility/2006">
-        <mc:Choice xmlns:a14="http://schemas.microsoft.com/office/drawing/2010/main" Requires="a14">
+      <mc:AlternateContent xmlns:mc="http://schemas.openxmlformats.org/markup-compatibility/2006" xmlns:a14="http://schemas.microsoft.com/office/drawing/2010/main">
+        <mc:Choice Requires="a14">
           <p:graphicFrame>
             <p:nvGraphicFramePr>
               <p:cNvPr id="3" name="표 2">
@@ -15934,7 +15934,7 @@
             </a:graphic>
           </p:graphicFrame>
         </mc:Choice>
-        <mc:Fallback>
+        <mc:Fallback xmlns="">
           <p:graphicFrame>
             <p:nvGraphicFramePr>
               <p:cNvPr id="3" name="표 2">
@@ -18417,14 +18417,14 @@
           <p:nvPr>
             <p:extLst>
               <p:ext uri="{D42A27DB-BD31-4B8C-83A1-F6EECF244321}">
-                <p14:modId xmlns:p14="http://schemas.microsoft.com/office/powerpoint/2010/main" val="4156549555"/>
+                <p14:modId xmlns:p14="http://schemas.microsoft.com/office/powerpoint/2010/main" val="2772997862"/>
               </p:ext>
             </p:extLst>
           </p:nvPr>
         </p:nvGraphicFramePr>
         <p:xfrm>
           <a:off x="1645920" y="2831253"/>
-          <a:ext cx="8900160" cy="1832187"/>
+          <a:ext cx="8900160" cy="1861538"/>
         </p:xfrm>
         <a:graphic>
           <a:graphicData uri="http://schemas.openxmlformats.org/drawingml/2006/table">
@@ -18490,7 +18490,7 @@
                       <a:endParaRPr lang="ko-KR" altLang="en-US" dirty="0"/>
                     </a:p>
                   </a:txBody>
-                  <a:tcPr>
+                  <a:tcPr anchor="ctr">
                     <a:lnL w="12700" cmpd="sng">
                       <a:noFill/>
                     </a:lnL>
@@ -18546,7 +18546,7 @@
                       <a:endParaRPr lang="ko-KR" altLang="en-US" dirty="0"/>
                     </a:p>
                   </a:txBody>
-                  <a:tcPr>
+                  <a:tcPr anchor="ctr">
                     <a:lnL w="12700" cap="flat" cmpd="sng" algn="ctr">
                       <a:noFill/>
                       <a:prstDash val="solid"/>
@@ -18602,6 +18602,13 @@
                       <a:r>
                         <a:rPr lang="en-US" altLang="ko-KR" dirty="0"/>
                         <a:t>Best Val Score</a:t>
+                      </a:r>
+                      <a:br>
+                        <a:rPr lang="en-US" altLang="ko-KR" dirty="0"/>
+                      </a:br>
+                      <a:r>
+                        <a:rPr lang="en-US" altLang="ko-KR" dirty="0"/>
+                        <a:t>Val              Eval </a:t>
                       </a:r>
                       <a:endParaRPr lang="ko-KR" altLang="en-US" dirty="0"/>
                     </a:p>
@@ -18673,6 +18680,13 @@
                       <a:r>
                         <a:rPr lang="en-US" altLang="ko-KR" dirty="0"/>
                         <a:t>Best Eval Score</a:t>
+                      </a:r>
+                      <a:br>
+                        <a:rPr lang="en-US" altLang="ko-KR" dirty="0"/>
+                      </a:br>
+                      <a:r>
+                        <a:rPr lang="en-US" altLang="ko-KR" dirty="0"/>
+                        <a:t>Val              Eval </a:t>
                       </a:r>
                       <a:endParaRPr lang="ko-KR" altLang="en-US" dirty="0"/>
                     </a:p>
@@ -22989,7 +23003,7 @@
                 <a:ea typeface="함초롬돋움" panose="020B0604000101010101" pitchFamily="50" charset="-127"/>
                 <a:cs typeface="함초롬돋움" panose="020B0604000101010101" pitchFamily="50" charset="-127"/>
               </a:rPr>
-              <a:t>The Principle of the Making of Sand</a:t>
+              <a:t>The principle of the making of sand</a:t>
             </a:r>
             <a:endParaRPr lang="en-US" altLang="ko-KR" sz="2000" dirty="0">
               <a:latin typeface="함초롬돋움" panose="020B0604000101010101" pitchFamily="50" charset="-127"/>
@@ -23023,7 +23037,7 @@
                 <a:ea typeface="함초롬돋움" panose="020B0604000101010101" pitchFamily="50" charset="-127"/>
                 <a:cs typeface="함초롬돋움" panose="020B0604000101010101" pitchFamily="50" charset="-127"/>
               </a:rPr>
-              <a:t>more than sand in the desert</a:t>
+              <a:t>Information about sand in the desert</a:t>
             </a:r>
           </a:p>
           <a:p>
@@ -23110,7 +23124,7 @@
                 <a:ea typeface="함초롬돋움" panose="020B0604000101010101" pitchFamily="50" charset="-127"/>
                 <a:cs typeface="함초롬돋움" panose="020B0604000101010101" pitchFamily="50" charset="-127"/>
               </a:rPr>
-              <a:t>P.  Sand begins as tiny pieces of rock that get smaller and smaller as wind and weather wear them down</a:t>
+              <a:t>P.   Sand begins as tiny pieces of rock that get smaller and smaller as wind and weather wear them down</a:t>
             </a:r>
           </a:p>
           <a:p>
@@ -23426,7 +23440,7 @@
                 <a:ea typeface="함초롬돋움" panose="020B0604000101010101" pitchFamily="50" charset="-127"/>
                 <a:cs typeface="함초롬돋움" panose="020B0604000101010101" pitchFamily="50" charset="-127"/>
               </a:rPr>
-              <a:t>The Principle of the Making of Sand</a:t>
+              <a:t>The principle of the making of sand</a:t>
             </a:r>
             <a:endParaRPr lang="en-US" altLang="ko-KR" sz="2000" dirty="0">
               <a:latin typeface="함초롬돋움" panose="020B0604000101010101" pitchFamily="50" charset="-127"/>
@@ -23460,7 +23474,7 @@
                 <a:ea typeface="함초롬돋움" panose="020B0604000101010101" pitchFamily="50" charset="-127"/>
                 <a:cs typeface="함초롬돋움" panose="020B0604000101010101" pitchFamily="50" charset="-127"/>
               </a:rPr>
-              <a:t>more than sand in the desert</a:t>
+              <a:t>Information about sand in the desert</a:t>
             </a:r>
           </a:p>
           <a:p>
@@ -23547,7 +23561,7 @@
                 <a:ea typeface="함초롬돋움" panose="020B0604000101010101" pitchFamily="50" charset="-127"/>
                 <a:cs typeface="함초롬돋움" panose="020B0604000101010101" pitchFamily="50" charset="-127"/>
               </a:rPr>
-              <a:t>P.  Sand begins as tiny pieces of rock that get smaller and smaller as wind and weather wear them down</a:t>
+              <a:t>P.   Sand begins as tiny pieces of rock that get smaller and smaller as wind and weather wear them down</a:t>
             </a:r>
           </a:p>
           <a:p>
@@ -26439,7 +26453,7 @@
                 <a:latin typeface="HY헤드라인M" panose="02030600000101010101" pitchFamily="18" charset="-127"/>
                 <a:ea typeface="HY헤드라인M" panose="02030600000101010101" pitchFamily="18" charset="-127"/>
               </a:rPr>
-              <a:t>Proposed Method</a:t>
+              <a:t>Proposed method</a:t>
             </a:r>
             <a:endParaRPr lang="ko-KR" altLang="en-US" sz="3200" dirty="0">
               <a:latin typeface="HY헤드라인M" panose="02030600000101010101" pitchFamily="18" charset="-127"/>
@@ -28854,8 +28868,8 @@
           </a:p>
         </p:txBody>
       </p:sp>
-      <mc:AlternateContent xmlns:mc="http://schemas.openxmlformats.org/markup-compatibility/2006">
-        <mc:Choice xmlns:a14="http://schemas.microsoft.com/office/drawing/2010/main" Requires="a14">
+      <mc:AlternateContent xmlns:mc="http://schemas.openxmlformats.org/markup-compatibility/2006" xmlns:a14="http://schemas.microsoft.com/office/drawing/2010/main">
+        <mc:Choice Requires="a14">
           <p:graphicFrame>
             <p:nvGraphicFramePr>
               <p:cNvPr id="6" name="표 5">
@@ -29676,7 +29690,7 @@
             </a:graphic>
           </p:graphicFrame>
         </mc:Choice>
-        <mc:Fallback>
+        <mc:Fallback xmlns="">
           <p:graphicFrame>
             <p:nvGraphicFramePr>
               <p:cNvPr id="6" name="표 5">

--- a/PPT/DIstilBERT Final.pptx
+++ b/PPT/DIstilBERT Final.pptx
@@ -18417,7 +18417,7 @@
           <p:nvPr>
             <p:extLst>
               <p:ext uri="{D42A27DB-BD31-4B8C-83A1-F6EECF244321}">
-                <p14:modId xmlns:p14="http://schemas.microsoft.com/office/powerpoint/2010/main" val="2772997862"/>
+                <p14:modId xmlns:p14="http://schemas.microsoft.com/office/powerpoint/2010/main" val="50346396"/>
               </p:ext>
             </p:extLst>
           </p:nvPr>
@@ -18608,7 +18608,7 @@
                       </a:br>
                       <a:r>
                         <a:rPr lang="en-US" altLang="ko-KR" dirty="0"/>
-                        <a:t>Val              Eval </a:t>
+                        <a:t>F1              EM</a:t>
                       </a:r>
                       <a:endParaRPr lang="ko-KR" altLang="en-US" dirty="0"/>
                     </a:p>
@@ -18686,7 +18686,7 @@
                       </a:br>
                       <a:r>
                         <a:rPr lang="en-US" altLang="ko-KR" dirty="0"/>
-                        <a:t>Val              Eval </a:t>
+                        <a:t>F1              EM </a:t>
                       </a:r>
                       <a:endParaRPr lang="ko-KR" altLang="en-US" dirty="0"/>
                     </a:p>
